--- a/static/ui/UI.pptx
+++ b/static/ui/UI.pptx
@@ -104,6 +104,11 @@
       </a:defRPr>
     </a:lvl9pPr>
   </p:defaultTextStyle>
+  <p:extLst>
+    <p:ext uri="{EFAFB233-063F-42B5-8137-9DF3F51BA10A}">
+      <p15:sldGuideLst xmlns:p15="http://schemas.microsoft.com/office/powerpoint/2012/main"/>
+    </p:ext>
+  </p:extLst>
 </p:presentation>
 </file>
 
@@ -254,7 +259,7 @@
           <a:p>
             <a:fld id="{B3680630-8A11-4831-8D87-8244022DE46F}" type="datetimeFigureOut">
               <a:rPr lang="ko-KR" altLang="en-US" smtClean="0"/>
-              <a:t>2023-08-02</a:t>
+              <a:t>2023-08-04</a:t>
             </a:fld>
             <a:endParaRPr lang="ko-KR" altLang="en-US"/>
           </a:p>
@@ -452,7 +457,7 @@
           <a:p>
             <a:fld id="{B3680630-8A11-4831-8D87-8244022DE46F}" type="datetimeFigureOut">
               <a:rPr lang="ko-KR" altLang="en-US" smtClean="0"/>
-              <a:t>2023-08-02</a:t>
+              <a:t>2023-08-04</a:t>
             </a:fld>
             <a:endParaRPr lang="ko-KR" altLang="en-US"/>
           </a:p>
@@ -660,7 +665,7 @@
           <a:p>
             <a:fld id="{B3680630-8A11-4831-8D87-8244022DE46F}" type="datetimeFigureOut">
               <a:rPr lang="ko-KR" altLang="en-US" smtClean="0"/>
-              <a:t>2023-08-02</a:t>
+              <a:t>2023-08-04</a:t>
             </a:fld>
             <a:endParaRPr lang="ko-KR" altLang="en-US"/>
           </a:p>
@@ -858,7 +863,7 @@
           <a:p>
             <a:fld id="{B3680630-8A11-4831-8D87-8244022DE46F}" type="datetimeFigureOut">
               <a:rPr lang="ko-KR" altLang="en-US" smtClean="0"/>
-              <a:t>2023-08-02</a:t>
+              <a:t>2023-08-04</a:t>
             </a:fld>
             <a:endParaRPr lang="ko-KR" altLang="en-US"/>
           </a:p>
@@ -1133,7 +1138,7 @@
           <a:p>
             <a:fld id="{B3680630-8A11-4831-8D87-8244022DE46F}" type="datetimeFigureOut">
               <a:rPr lang="ko-KR" altLang="en-US" smtClean="0"/>
-              <a:t>2023-08-02</a:t>
+              <a:t>2023-08-04</a:t>
             </a:fld>
             <a:endParaRPr lang="ko-KR" altLang="en-US"/>
           </a:p>
@@ -1398,7 +1403,7 @@
           <a:p>
             <a:fld id="{B3680630-8A11-4831-8D87-8244022DE46F}" type="datetimeFigureOut">
               <a:rPr lang="ko-KR" altLang="en-US" smtClean="0"/>
-              <a:t>2023-08-02</a:t>
+              <a:t>2023-08-04</a:t>
             </a:fld>
             <a:endParaRPr lang="ko-KR" altLang="en-US"/>
           </a:p>
@@ -1810,7 +1815,7 @@
           <a:p>
             <a:fld id="{B3680630-8A11-4831-8D87-8244022DE46F}" type="datetimeFigureOut">
               <a:rPr lang="ko-KR" altLang="en-US" smtClean="0"/>
-              <a:t>2023-08-02</a:t>
+              <a:t>2023-08-04</a:t>
             </a:fld>
             <a:endParaRPr lang="ko-KR" altLang="en-US"/>
           </a:p>
@@ -1951,7 +1956,7 @@
           <a:p>
             <a:fld id="{B3680630-8A11-4831-8D87-8244022DE46F}" type="datetimeFigureOut">
               <a:rPr lang="ko-KR" altLang="en-US" smtClean="0"/>
-              <a:t>2023-08-02</a:t>
+              <a:t>2023-08-04</a:t>
             </a:fld>
             <a:endParaRPr lang="ko-KR" altLang="en-US"/>
           </a:p>
@@ -2064,7 +2069,7 @@
           <a:p>
             <a:fld id="{B3680630-8A11-4831-8D87-8244022DE46F}" type="datetimeFigureOut">
               <a:rPr lang="ko-KR" altLang="en-US" smtClean="0"/>
-              <a:t>2023-08-02</a:t>
+              <a:t>2023-08-04</a:t>
             </a:fld>
             <a:endParaRPr lang="ko-KR" altLang="en-US"/>
           </a:p>
@@ -2375,7 +2380,7 @@
           <a:p>
             <a:fld id="{B3680630-8A11-4831-8D87-8244022DE46F}" type="datetimeFigureOut">
               <a:rPr lang="ko-KR" altLang="en-US" smtClean="0"/>
-              <a:t>2023-08-02</a:t>
+              <a:t>2023-08-04</a:t>
             </a:fld>
             <a:endParaRPr lang="ko-KR" altLang="en-US"/>
           </a:p>
@@ -2663,7 +2668,7 @@
           <a:p>
             <a:fld id="{B3680630-8A11-4831-8D87-8244022DE46F}" type="datetimeFigureOut">
               <a:rPr lang="ko-KR" altLang="en-US" smtClean="0"/>
-              <a:t>2023-08-02</a:t>
+              <a:t>2023-08-04</a:t>
             </a:fld>
             <a:endParaRPr lang="ko-KR" altLang="en-US"/>
           </a:p>
@@ -2904,7 +2909,7 @@
           <a:p>
             <a:fld id="{B3680630-8A11-4831-8D87-8244022DE46F}" type="datetimeFigureOut">
               <a:rPr lang="ko-KR" altLang="en-US" smtClean="0"/>
-              <a:t>2023-08-02</a:t>
+              <a:t>2023-08-04</a:t>
             </a:fld>
             <a:endParaRPr lang="ko-KR" altLang="en-US"/>
           </a:p>
@@ -3909,7 +3914,7 @@
         </p:nvSpPr>
         <p:spPr>
           <a:xfrm>
-            <a:off x="7603879" y="2011685"/>
+            <a:off x="7352209" y="2011685"/>
             <a:ext cx="2367815" cy="369332"/>
           </a:xfrm>
           <a:prstGeom prst="rect">
@@ -3926,7 +3931,7 @@
             <a:pPr algn="ctr"/>
             <a:r>
               <a:rPr lang="ko-KR" altLang="en-US" dirty="0"/>
-              <a:t>버스 정류장 이름</a:t>
+              <a:t>버스 정류소 이름</a:t>
             </a:r>
             <a:endParaRPr lang="en-US" altLang="ko-KR" dirty="0"/>
           </a:p>
@@ -4106,6 +4111,53 @@
                 <a:schemeClr val="tx1"/>
               </a:solidFill>
             </a:endParaRPr>
+          </a:p>
+        </p:txBody>
+      </p:sp>
+      <p:sp>
+        <p:nvSpPr>
+          <p:cNvPr id="2" name="별: 꼭짓점 5개 1">
+            <a:extLst>
+              <a:ext uri="{FF2B5EF4-FFF2-40B4-BE49-F238E27FC236}">
+                <a16:creationId xmlns:a16="http://schemas.microsoft.com/office/drawing/2014/main" id="{2BA78F0D-CFEB-50F4-05C2-3CAF027E2A2F}"/>
+              </a:ext>
+            </a:extLst>
+          </p:cNvPr>
+          <p:cNvSpPr/>
+          <p:nvPr/>
+        </p:nvSpPr>
+        <p:spPr>
+          <a:xfrm>
+            <a:off x="9644605" y="2027578"/>
+            <a:ext cx="327092" cy="327092"/>
+          </a:xfrm>
+          <a:prstGeom prst="star5">
+            <a:avLst/>
+          </a:prstGeom>
+          <a:noFill/>
+        </p:spPr>
+        <p:style>
+          <a:lnRef idx="2">
+            <a:schemeClr val="accent1">
+              <a:shade val="15000"/>
+            </a:schemeClr>
+          </a:lnRef>
+          <a:fillRef idx="1">
+            <a:schemeClr val="accent1"/>
+          </a:fillRef>
+          <a:effectRef idx="0">
+            <a:schemeClr val="accent1"/>
+          </a:effectRef>
+          <a:fontRef idx="minor">
+            <a:schemeClr val="lt1"/>
+          </a:fontRef>
+        </p:style>
+        <p:txBody>
+          <a:bodyPr rtlCol="0" anchor="ctr"/>
+          <a:lstStyle/>
+          <a:p>
+            <a:pPr algn="ctr"/>
+            <a:endParaRPr lang="ko-KR" altLang="en-US"/>
           </a:p>
         </p:txBody>
       </p:sp>
